--- a/Minesweeper/企劃.pptx
+++ b/Minesweeper/企劃.pptx
@@ -8,6 +8,7 @@
     <p:sldId id="256" r:id="rId2"/>
     <p:sldId id="257" r:id="rId3"/>
     <p:sldId id="258" r:id="rId4"/>
+    <p:sldId id="259" r:id="rId5"/>
   </p:sldIdLst>
   <p:sldSz cx="12192000" cy="6858000"/>
   <p:notesSz cx="6858000" cy="9144000"/>
@@ -245,7 +246,7 @@
           <a:p>
             <a:fld id="{9B1532BC-E43E-4FE0-A55E-B32BF59EA35D}" type="datetimeFigureOut">
               <a:rPr lang="zh-TW" altLang="en-US" smtClean="0"/>
-              <a:t>2021/10/14</a:t>
+              <a:t>2021/10/20</a:t>
             </a:fld>
             <a:endParaRPr lang="zh-TW" altLang="en-US"/>
           </a:p>
@@ -415,7 +416,7 @@
           <a:p>
             <a:fld id="{9B1532BC-E43E-4FE0-A55E-B32BF59EA35D}" type="datetimeFigureOut">
               <a:rPr lang="zh-TW" altLang="en-US" smtClean="0"/>
-              <a:t>2021/10/14</a:t>
+              <a:t>2021/10/20</a:t>
             </a:fld>
             <a:endParaRPr lang="zh-TW" altLang="en-US"/>
           </a:p>
@@ -595,7 +596,7 @@
           <a:p>
             <a:fld id="{9B1532BC-E43E-4FE0-A55E-B32BF59EA35D}" type="datetimeFigureOut">
               <a:rPr lang="zh-TW" altLang="en-US" smtClean="0"/>
-              <a:t>2021/10/14</a:t>
+              <a:t>2021/10/20</a:t>
             </a:fld>
             <a:endParaRPr lang="zh-TW" altLang="en-US"/>
           </a:p>
@@ -765,7 +766,7 @@
           <a:p>
             <a:fld id="{9B1532BC-E43E-4FE0-A55E-B32BF59EA35D}" type="datetimeFigureOut">
               <a:rPr lang="zh-TW" altLang="en-US" smtClean="0"/>
-              <a:t>2021/10/14</a:t>
+              <a:t>2021/10/20</a:t>
             </a:fld>
             <a:endParaRPr lang="zh-TW" altLang="en-US"/>
           </a:p>
@@ -1011,7 +1012,7 @@
           <a:p>
             <a:fld id="{9B1532BC-E43E-4FE0-A55E-B32BF59EA35D}" type="datetimeFigureOut">
               <a:rPr lang="zh-TW" altLang="en-US" smtClean="0"/>
-              <a:t>2021/10/14</a:t>
+              <a:t>2021/10/20</a:t>
             </a:fld>
             <a:endParaRPr lang="zh-TW" altLang="en-US"/>
           </a:p>
@@ -1243,7 +1244,7 @@
           <a:p>
             <a:fld id="{9B1532BC-E43E-4FE0-A55E-B32BF59EA35D}" type="datetimeFigureOut">
               <a:rPr lang="zh-TW" altLang="en-US" smtClean="0"/>
-              <a:t>2021/10/14</a:t>
+              <a:t>2021/10/20</a:t>
             </a:fld>
             <a:endParaRPr lang="zh-TW" altLang="en-US"/>
           </a:p>
@@ -1610,7 +1611,7 @@
           <a:p>
             <a:fld id="{9B1532BC-E43E-4FE0-A55E-B32BF59EA35D}" type="datetimeFigureOut">
               <a:rPr lang="zh-TW" altLang="en-US" smtClean="0"/>
-              <a:t>2021/10/14</a:t>
+              <a:t>2021/10/20</a:t>
             </a:fld>
             <a:endParaRPr lang="zh-TW" altLang="en-US"/>
           </a:p>
@@ -1728,7 +1729,7 @@
           <a:p>
             <a:fld id="{9B1532BC-E43E-4FE0-A55E-B32BF59EA35D}" type="datetimeFigureOut">
               <a:rPr lang="zh-TW" altLang="en-US" smtClean="0"/>
-              <a:t>2021/10/14</a:t>
+              <a:t>2021/10/20</a:t>
             </a:fld>
             <a:endParaRPr lang="zh-TW" altLang="en-US"/>
           </a:p>
@@ -1823,7 +1824,7 @@
           <a:p>
             <a:fld id="{9B1532BC-E43E-4FE0-A55E-B32BF59EA35D}" type="datetimeFigureOut">
               <a:rPr lang="zh-TW" altLang="en-US" smtClean="0"/>
-              <a:t>2021/10/14</a:t>
+              <a:t>2021/10/20</a:t>
             </a:fld>
             <a:endParaRPr lang="zh-TW" altLang="en-US"/>
           </a:p>
@@ -2100,7 +2101,7 @@
           <a:p>
             <a:fld id="{9B1532BC-E43E-4FE0-A55E-B32BF59EA35D}" type="datetimeFigureOut">
               <a:rPr lang="zh-TW" altLang="en-US" smtClean="0"/>
-              <a:t>2021/10/14</a:t>
+              <a:t>2021/10/20</a:t>
             </a:fld>
             <a:endParaRPr lang="zh-TW" altLang="en-US"/>
           </a:p>
@@ -2353,7 +2354,7 @@
           <a:p>
             <a:fld id="{9B1532BC-E43E-4FE0-A55E-B32BF59EA35D}" type="datetimeFigureOut">
               <a:rPr lang="zh-TW" altLang="en-US" smtClean="0"/>
-              <a:t>2021/10/14</a:t>
+              <a:t>2021/10/20</a:t>
             </a:fld>
             <a:endParaRPr lang="zh-TW" altLang="en-US"/>
           </a:p>
@@ -2566,7 +2567,7 @@
           <a:p>
             <a:fld id="{9B1532BC-E43E-4FE0-A55E-B32BF59EA35D}" type="datetimeFigureOut">
               <a:rPr lang="zh-TW" altLang="en-US" smtClean="0"/>
-              <a:t>2021/10/14</a:t>
+              <a:t>2021/10/20</a:t>
             </a:fld>
             <a:endParaRPr lang="zh-TW" altLang="en-US"/>
           </a:p>
@@ -4861,23 +4862,7 @@
                   <a:schemeClr val="tx1"/>
                 </a:solidFill>
               </a:rPr>
-              <a:t>產生</a:t>
-            </a:r>
-            <a:r>
-              <a:rPr lang="zh-TW" altLang="en-US" dirty="0" smtClean="0">
-                <a:solidFill>
-                  <a:schemeClr val="tx1"/>
-                </a:solidFill>
-              </a:rPr>
-              <a:t>炸</a:t>
-            </a:r>
-            <a:r>
-              <a:rPr lang="zh-TW" altLang="en-US" dirty="0" smtClean="0">
-                <a:solidFill>
-                  <a:schemeClr val="tx1"/>
-                </a:solidFill>
-              </a:rPr>
-              <a:t>單</a:t>
+              <a:t>產生炸單</a:t>
             </a:r>
             <a:endParaRPr lang="en-US" altLang="zh-TW" dirty="0" smtClean="0">
               <a:solidFill>
@@ -5149,6 +5134,36 @@
     <p:extLst>
       <p:ext uri="{BB962C8B-B14F-4D97-AF65-F5344CB8AC3E}">
         <p14:creationId xmlns:p14="http://schemas.microsoft.com/office/powerpoint/2010/main" val="148720595"/>
+      </p:ext>
+    </p:extLst>
+  </p:cSld>
+  <p:clrMapOvr>
+    <a:masterClrMapping/>
+  </p:clrMapOvr>
+</p:sld>
+</file>
+
+<file path=ppt/slides/slide4.xml><?xml version="1.0" encoding="utf-8"?>
+<p:sld xmlns:a="http://schemas.openxmlformats.org/drawingml/2006/main" xmlns:r="http://schemas.openxmlformats.org/officeDocument/2006/relationships" xmlns:p="http://schemas.openxmlformats.org/presentationml/2006/main">
+  <p:cSld>
+    <p:spTree>
+      <p:nvGrpSpPr>
+        <p:cNvPr id="1" name=""/>
+        <p:cNvGrpSpPr/>
+        <p:nvPr/>
+      </p:nvGrpSpPr>
+      <p:grpSpPr>
+        <a:xfrm>
+          <a:off x="0" y="0"/>
+          <a:ext cx="0" cy="0"/>
+          <a:chOff x="0" y="0"/>
+          <a:chExt cx="0" cy="0"/>
+        </a:xfrm>
+      </p:grpSpPr>
+    </p:spTree>
+    <p:extLst>
+      <p:ext uri="{BB962C8B-B14F-4D97-AF65-F5344CB8AC3E}">
+        <p14:creationId xmlns:p14="http://schemas.microsoft.com/office/powerpoint/2010/main" val="3347115031"/>
       </p:ext>
     </p:extLst>
   </p:cSld>
